--- a/libs/demo/src/assets/演示文稿1.pptx
+++ b/libs/demo/src/assets/演示文稿1.pptx
@@ -6,6 +6,10 @@
   </p:sldMasterIdLst>
   <p:sldIdLst>
     <p:sldId id="256" r:id="rId2"/>
+    <p:sldId id="257" r:id="rId3"/>
+    <p:sldId id="258" r:id="rId4"/>
+    <p:sldId id="259" r:id="rId5"/>
+    <p:sldId id="260" r:id="rId6"/>
   </p:sldIdLst>
   <p:sldSz cx="12192000" cy="6858000"/>
   <p:notesSz cx="6858000" cy="9144000"/>
@@ -104,6 +108,11 @@
       </a:defRPr>
     </a:lvl9pPr>
   </p:defaultTextStyle>
+  <p:extLst>
+    <p:ext uri="{EFAFB233-063F-42B5-8137-9DF3F51BA10A}">
+      <p15:sldGuideLst xmlns:p15="http://schemas.microsoft.com/office/powerpoint/2012/main"/>
+    </p:ext>
+  </p:extLst>
 </p:presentation>
 </file>
 
@@ -254,7 +263,7 @@
           <a:p>
             <a:fld id="{F679CCEA-ABF1-074A-BA18-837F04F41A9B}" type="datetimeFigureOut">
               <a:rPr kumimoji="1" lang="zh-CN" altLang="en-US" smtClean="0"/>
-              <a:t>2024/12/30</a:t>
+              <a:t>2025/1/2</a:t>
             </a:fld>
             <a:endParaRPr kumimoji="1" lang="zh-CN" altLang="en-US"/>
           </a:p>
@@ -452,7 +461,7 @@
           <a:p>
             <a:fld id="{F679CCEA-ABF1-074A-BA18-837F04F41A9B}" type="datetimeFigureOut">
               <a:rPr kumimoji="1" lang="zh-CN" altLang="en-US" smtClean="0"/>
-              <a:t>2024/12/30</a:t>
+              <a:t>2025/1/2</a:t>
             </a:fld>
             <a:endParaRPr kumimoji="1" lang="zh-CN" altLang="en-US"/>
           </a:p>
@@ -660,7 +669,7 @@
           <a:p>
             <a:fld id="{F679CCEA-ABF1-074A-BA18-837F04F41A9B}" type="datetimeFigureOut">
               <a:rPr kumimoji="1" lang="zh-CN" altLang="en-US" smtClean="0"/>
-              <a:t>2024/12/30</a:t>
+              <a:t>2025/1/2</a:t>
             </a:fld>
             <a:endParaRPr kumimoji="1" lang="zh-CN" altLang="en-US"/>
           </a:p>
@@ -858,7 +867,7 @@
           <a:p>
             <a:fld id="{F679CCEA-ABF1-074A-BA18-837F04F41A9B}" type="datetimeFigureOut">
               <a:rPr kumimoji="1" lang="zh-CN" altLang="en-US" smtClean="0"/>
-              <a:t>2024/12/30</a:t>
+              <a:t>2025/1/2</a:t>
             </a:fld>
             <a:endParaRPr kumimoji="1" lang="zh-CN" altLang="en-US"/>
           </a:p>
@@ -1133,7 +1142,7 @@
           <a:p>
             <a:fld id="{F679CCEA-ABF1-074A-BA18-837F04F41A9B}" type="datetimeFigureOut">
               <a:rPr kumimoji="1" lang="zh-CN" altLang="en-US" smtClean="0"/>
-              <a:t>2024/12/30</a:t>
+              <a:t>2025/1/2</a:t>
             </a:fld>
             <a:endParaRPr kumimoji="1" lang="zh-CN" altLang="en-US"/>
           </a:p>
@@ -1398,7 +1407,7 @@
           <a:p>
             <a:fld id="{F679CCEA-ABF1-074A-BA18-837F04F41A9B}" type="datetimeFigureOut">
               <a:rPr kumimoji="1" lang="zh-CN" altLang="en-US" smtClean="0"/>
-              <a:t>2024/12/30</a:t>
+              <a:t>2025/1/2</a:t>
             </a:fld>
             <a:endParaRPr kumimoji="1" lang="zh-CN" altLang="en-US"/>
           </a:p>
@@ -1810,7 +1819,7 @@
           <a:p>
             <a:fld id="{F679CCEA-ABF1-074A-BA18-837F04F41A9B}" type="datetimeFigureOut">
               <a:rPr kumimoji="1" lang="zh-CN" altLang="en-US" smtClean="0"/>
-              <a:t>2024/12/30</a:t>
+              <a:t>2025/1/2</a:t>
             </a:fld>
             <a:endParaRPr kumimoji="1" lang="zh-CN" altLang="en-US"/>
           </a:p>
@@ -1951,7 +1960,7 @@
           <a:p>
             <a:fld id="{F679CCEA-ABF1-074A-BA18-837F04F41A9B}" type="datetimeFigureOut">
               <a:rPr kumimoji="1" lang="zh-CN" altLang="en-US" smtClean="0"/>
-              <a:t>2024/12/30</a:t>
+              <a:t>2025/1/2</a:t>
             </a:fld>
             <a:endParaRPr kumimoji="1" lang="zh-CN" altLang="en-US"/>
           </a:p>
@@ -2064,7 +2073,7 @@
           <a:p>
             <a:fld id="{F679CCEA-ABF1-074A-BA18-837F04F41A9B}" type="datetimeFigureOut">
               <a:rPr kumimoji="1" lang="zh-CN" altLang="en-US" smtClean="0"/>
-              <a:t>2024/12/30</a:t>
+              <a:t>2025/1/2</a:t>
             </a:fld>
             <a:endParaRPr kumimoji="1" lang="zh-CN" altLang="en-US"/>
           </a:p>
@@ -2375,7 +2384,7 @@
           <a:p>
             <a:fld id="{F679CCEA-ABF1-074A-BA18-837F04F41A9B}" type="datetimeFigureOut">
               <a:rPr kumimoji="1" lang="zh-CN" altLang="en-US" smtClean="0"/>
-              <a:t>2024/12/30</a:t>
+              <a:t>2025/1/2</a:t>
             </a:fld>
             <a:endParaRPr kumimoji="1" lang="zh-CN" altLang="en-US"/>
           </a:p>
@@ -2663,7 +2672,7 @@
           <a:p>
             <a:fld id="{F679CCEA-ABF1-074A-BA18-837F04F41A9B}" type="datetimeFigureOut">
               <a:rPr kumimoji="1" lang="zh-CN" altLang="en-US" smtClean="0"/>
-              <a:t>2024/12/30</a:t>
+              <a:t>2025/1/2</a:t>
             </a:fld>
             <a:endParaRPr kumimoji="1" lang="zh-CN" altLang="en-US"/>
           </a:p>
@@ -2904,7 +2913,7 @@
           <a:p>
             <a:fld id="{F679CCEA-ABF1-074A-BA18-837F04F41A9B}" type="datetimeFigureOut">
               <a:rPr kumimoji="1" lang="zh-CN" altLang="en-US" smtClean="0"/>
-              <a:t>2024/12/30</a:t>
+              <a:t>2025/1/2</a:t>
             </a:fld>
             <a:endParaRPr kumimoji="1" lang="zh-CN" altLang="en-US"/>
           </a:p>
@@ -3383,6 +3392,507 @@
     <p:extLst>
       <p:ext uri="{BB962C8B-B14F-4D97-AF65-F5344CB8AC3E}">
         <p14:creationId xmlns:p14="http://schemas.microsoft.com/office/powerpoint/2010/main" val="2741083425"/>
+      </p:ext>
+    </p:extLst>
+  </p:cSld>
+  <p:clrMapOvr>
+    <a:masterClrMapping/>
+  </p:clrMapOvr>
+</p:sld>
+</file>
+
+<file path=ppt/slides/slide2.xml><?xml version="1.0" encoding="utf-8"?>
+<p:sld xmlns:a="http://schemas.openxmlformats.org/drawingml/2006/main" xmlns:r="http://schemas.openxmlformats.org/officeDocument/2006/relationships" xmlns:p="http://schemas.openxmlformats.org/presentationml/2006/main">
+  <p:cSld>
+    <p:spTree>
+      <p:nvGrpSpPr>
+        <p:cNvPr id="1" name=""/>
+        <p:cNvGrpSpPr/>
+        <p:nvPr/>
+      </p:nvGrpSpPr>
+      <p:grpSpPr>
+        <a:xfrm>
+          <a:off x="0" y="0"/>
+          <a:ext cx="0" cy="0"/>
+          <a:chOff x="0" y="0"/>
+          <a:chExt cx="0" cy="0"/>
+        </a:xfrm>
+      </p:grpSpPr>
+      <p:sp>
+        <p:nvSpPr>
+          <p:cNvPr id="2" name="标题 1">
+            <a:extLst>
+              <a:ext uri="{FF2B5EF4-FFF2-40B4-BE49-F238E27FC236}">
+                <a16:creationId xmlns:a16="http://schemas.microsoft.com/office/drawing/2014/main" id="{2D0F3C49-44FB-B195-502E-5F407E810F17}"/>
+              </a:ext>
+            </a:extLst>
+          </p:cNvPr>
+          <p:cNvSpPr>
+            <a:spLocks noGrp="1"/>
+          </p:cNvSpPr>
+          <p:nvPr>
+            <p:ph type="title"/>
+          </p:nvPr>
+        </p:nvSpPr>
+        <p:spPr/>
+        <p:txBody>
+          <a:bodyPr/>
+          <a:lstStyle/>
+          <a:p>
+            <a:r>
+              <a:rPr kumimoji="1" lang="zh-CN" altLang="en-US" dirty="0"/>
+              <a:t>大萨达撒打算</a:t>
+            </a:r>
+          </a:p>
+        </p:txBody>
+      </p:sp>
+      <p:sp>
+        <p:nvSpPr>
+          <p:cNvPr id="3" name="内容占位符 2">
+            <a:extLst>
+              <a:ext uri="{FF2B5EF4-FFF2-40B4-BE49-F238E27FC236}">
+                <a16:creationId xmlns:a16="http://schemas.microsoft.com/office/drawing/2014/main" id="{AC120706-322D-94BC-3477-3BD7B9E73572}"/>
+              </a:ext>
+            </a:extLst>
+          </p:cNvPr>
+          <p:cNvSpPr>
+            <a:spLocks noGrp="1"/>
+          </p:cNvSpPr>
+          <p:nvPr>
+            <p:ph idx="1"/>
+          </p:nvPr>
+        </p:nvSpPr>
+        <p:spPr/>
+        <p:txBody>
+          <a:bodyPr/>
+          <a:lstStyle/>
+          <a:p>
+            <a:r>
+              <a:rPr kumimoji="1" lang="zh-CN" altLang="en-US" dirty="0"/>
+              <a:t>大萨达 </a:t>
+            </a:r>
+          </a:p>
+        </p:txBody>
+      </p:sp>
+    </p:spTree>
+    <p:extLst>
+      <p:ext uri="{BB962C8B-B14F-4D97-AF65-F5344CB8AC3E}">
+        <p14:creationId xmlns:p14="http://schemas.microsoft.com/office/powerpoint/2010/main" val="1365486946"/>
+      </p:ext>
+    </p:extLst>
+  </p:cSld>
+  <p:clrMapOvr>
+    <a:masterClrMapping/>
+  </p:clrMapOvr>
+</p:sld>
+</file>
+
+<file path=ppt/slides/slide3.xml><?xml version="1.0" encoding="utf-8"?>
+<p:sld xmlns:a="http://schemas.openxmlformats.org/drawingml/2006/main" xmlns:r="http://schemas.openxmlformats.org/officeDocument/2006/relationships" xmlns:p="http://schemas.openxmlformats.org/presentationml/2006/main">
+  <p:cSld>
+    <p:spTree>
+      <p:nvGrpSpPr>
+        <p:cNvPr id="1" name=""/>
+        <p:cNvGrpSpPr/>
+        <p:nvPr/>
+      </p:nvGrpSpPr>
+      <p:grpSpPr>
+        <a:xfrm>
+          <a:off x="0" y="0"/>
+          <a:ext cx="0" cy="0"/>
+          <a:chOff x="0" y="0"/>
+          <a:chExt cx="0" cy="0"/>
+        </a:xfrm>
+      </p:grpSpPr>
+      <p:sp>
+        <p:nvSpPr>
+          <p:cNvPr id="2" name="标题 1">
+            <a:extLst>
+              <a:ext uri="{FF2B5EF4-FFF2-40B4-BE49-F238E27FC236}">
+                <a16:creationId xmlns:a16="http://schemas.microsoft.com/office/drawing/2014/main" id="{82173655-F1B3-143B-636C-9A9F6401EEE8}"/>
+              </a:ext>
+            </a:extLst>
+          </p:cNvPr>
+          <p:cNvSpPr>
+            <a:spLocks noGrp="1"/>
+          </p:cNvSpPr>
+          <p:nvPr>
+            <p:ph type="title"/>
+          </p:nvPr>
+        </p:nvSpPr>
+        <p:spPr/>
+        <p:txBody>
+          <a:bodyPr/>
+          <a:lstStyle/>
+          <a:p>
+            <a:r>
+              <a:rPr kumimoji="1" lang="en-US" altLang="zh-CN" dirty="0"/>
+              <a:t>1</a:t>
+            </a:r>
+            <a:endParaRPr kumimoji="1" lang="zh-CN" altLang="en-US" dirty="0"/>
+          </a:p>
+        </p:txBody>
+      </p:sp>
+      <p:sp>
+        <p:nvSpPr>
+          <p:cNvPr id="3" name="内容占位符 2">
+            <a:extLst>
+              <a:ext uri="{FF2B5EF4-FFF2-40B4-BE49-F238E27FC236}">
+                <a16:creationId xmlns:a16="http://schemas.microsoft.com/office/drawing/2014/main" id="{4ED02F04-F9FD-0D97-C1CE-EACE1111C71B}"/>
+              </a:ext>
+            </a:extLst>
+          </p:cNvPr>
+          <p:cNvSpPr>
+            <a:spLocks noGrp="1"/>
+          </p:cNvSpPr>
+          <p:nvPr>
+            <p:ph idx="1"/>
+          </p:nvPr>
+        </p:nvSpPr>
+        <p:spPr/>
+        <p:txBody>
+          <a:bodyPr/>
+          <a:lstStyle/>
+          <a:p>
+            <a:endParaRPr kumimoji="1" lang="zh-CN" altLang="en-US"/>
+          </a:p>
+        </p:txBody>
+      </p:sp>
+    </p:spTree>
+    <p:extLst>
+      <p:ext uri="{BB962C8B-B14F-4D97-AF65-F5344CB8AC3E}">
+        <p14:creationId xmlns:p14="http://schemas.microsoft.com/office/powerpoint/2010/main" val="923725377"/>
+      </p:ext>
+    </p:extLst>
+  </p:cSld>
+  <p:clrMapOvr>
+    <a:masterClrMapping/>
+  </p:clrMapOvr>
+</p:sld>
+</file>
+
+<file path=ppt/slides/slide4.xml><?xml version="1.0" encoding="utf-8"?>
+<p:sld xmlns:a="http://schemas.openxmlformats.org/drawingml/2006/main" xmlns:r="http://schemas.openxmlformats.org/officeDocument/2006/relationships" xmlns:p="http://schemas.openxmlformats.org/presentationml/2006/main">
+  <p:cSld>
+    <p:spTree>
+      <p:nvGrpSpPr>
+        <p:cNvPr id="1" name=""/>
+        <p:cNvGrpSpPr/>
+        <p:nvPr/>
+      </p:nvGrpSpPr>
+      <p:grpSpPr>
+        <a:xfrm>
+          <a:off x="0" y="0"/>
+          <a:ext cx="0" cy="0"/>
+          <a:chOff x="0" y="0"/>
+          <a:chExt cx="0" cy="0"/>
+        </a:xfrm>
+      </p:grpSpPr>
+      <p:sp>
+        <p:nvSpPr>
+          <p:cNvPr id="2" name="标题 1">
+            <a:extLst>
+              <a:ext uri="{FF2B5EF4-FFF2-40B4-BE49-F238E27FC236}">
+                <a16:creationId xmlns:a16="http://schemas.microsoft.com/office/drawing/2014/main" id="{458D8984-EAA9-571F-C7DD-EE4247713475}"/>
+              </a:ext>
+            </a:extLst>
+          </p:cNvPr>
+          <p:cNvSpPr>
+            <a:spLocks noGrp="1"/>
+          </p:cNvSpPr>
+          <p:nvPr>
+            <p:ph type="title"/>
+          </p:nvPr>
+        </p:nvSpPr>
+        <p:spPr/>
+        <p:txBody>
+          <a:bodyPr/>
+          <a:lstStyle/>
+          <a:p>
+            <a:endParaRPr kumimoji="1" lang="zh-CN" altLang="en-US"/>
+          </a:p>
+        </p:txBody>
+      </p:sp>
+      <p:graphicFrame>
+        <p:nvGraphicFramePr>
+          <p:cNvPr id="4" name="内容占位符 3">
+            <a:extLst>
+              <a:ext uri="{FF2B5EF4-FFF2-40B4-BE49-F238E27FC236}">
+                <a16:creationId xmlns:a16="http://schemas.microsoft.com/office/drawing/2014/main" id="{82CDBD42-C478-6A0E-F9E8-C52938145620}"/>
+              </a:ext>
+            </a:extLst>
+          </p:cNvPr>
+          <p:cNvGraphicFramePr>
+            <a:graphicFrameLocks noGrp="1"/>
+          </p:cNvGraphicFramePr>
+          <p:nvPr>
+            <p:ph idx="1"/>
+            <p:extLst>
+              <p:ext uri="{D42A27DB-BD31-4B8C-83A1-F6EECF244321}">
+                <p14:modId xmlns:p14="http://schemas.microsoft.com/office/powerpoint/2010/main" val="3711857227"/>
+              </p:ext>
+            </p:extLst>
+          </p:nvPr>
+        </p:nvGraphicFramePr>
+        <p:xfrm>
+          <a:off x="838200" y="1825625"/>
+          <a:ext cx="10515600" cy="741680"/>
+        </p:xfrm>
+        <a:graphic>
+          <a:graphicData uri="http://schemas.openxmlformats.org/drawingml/2006/table">
+            <a:tbl>
+              <a:tblPr firstRow="1" bandRow="1">
+                <a:tableStyleId>{5C22544A-7EE6-4342-B048-85BDC9FD1C3A}</a:tableStyleId>
+              </a:tblPr>
+              <a:tblGrid>
+                <a:gridCol w="2103120">
+                  <a:extLst>
+                    <a:ext uri="{9D8B030D-6E8A-4147-A177-3AD203B41FA5}">
+                      <a16:colId xmlns:a16="http://schemas.microsoft.com/office/drawing/2014/main" val="2966326917"/>
+                    </a:ext>
+                  </a:extLst>
+                </a:gridCol>
+                <a:gridCol w="2103120">
+                  <a:extLst>
+                    <a:ext uri="{9D8B030D-6E8A-4147-A177-3AD203B41FA5}">
+                      <a16:colId xmlns:a16="http://schemas.microsoft.com/office/drawing/2014/main" val="957015513"/>
+                    </a:ext>
+                  </a:extLst>
+                </a:gridCol>
+                <a:gridCol w="2103120">
+                  <a:extLst>
+                    <a:ext uri="{9D8B030D-6E8A-4147-A177-3AD203B41FA5}">
+                      <a16:colId xmlns:a16="http://schemas.microsoft.com/office/drawing/2014/main" val="2175900509"/>
+                    </a:ext>
+                  </a:extLst>
+                </a:gridCol>
+                <a:gridCol w="2103120">
+                  <a:extLst>
+                    <a:ext uri="{9D8B030D-6E8A-4147-A177-3AD203B41FA5}">
+                      <a16:colId xmlns:a16="http://schemas.microsoft.com/office/drawing/2014/main" val="2734079389"/>
+                    </a:ext>
+                  </a:extLst>
+                </a:gridCol>
+                <a:gridCol w="2103120">
+                  <a:extLst>
+                    <a:ext uri="{9D8B030D-6E8A-4147-A177-3AD203B41FA5}">
+                      <a16:colId xmlns:a16="http://schemas.microsoft.com/office/drawing/2014/main" val="1164564887"/>
+                    </a:ext>
+                  </a:extLst>
+                </a:gridCol>
+              </a:tblGrid>
+              <a:tr h="370840">
+                <a:tc>
+                  <a:txBody>
+                    <a:bodyPr/>
+                    <a:lstStyle/>
+                    <a:p>
+                      <a:endParaRPr lang="zh-CN" altLang="en-US"/>
+                    </a:p>
+                  </a:txBody>
+                  <a:tcPr/>
+                </a:tc>
+                <a:tc>
+                  <a:txBody>
+                    <a:bodyPr/>
+                    <a:lstStyle/>
+                    <a:p>
+                      <a:endParaRPr lang="zh-CN" altLang="en-US"/>
+                    </a:p>
+                  </a:txBody>
+                  <a:tcPr/>
+                </a:tc>
+                <a:tc>
+                  <a:txBody>
+                    <a:bodyPr/>
+                    <a:lstStyle/>
+                    <a:p>
+                      <a:endParaRPr lang="zh-CN" altLang="en-US"/>
+                    </a:p>
+                  </a:txBody>
+                  <a:tcPr/>
+                </a:tc>
+                <a:tc>
+                  <a:txBody>
+                    <a:bodyPr/>
+                    <a:lstStyle/>
+                    <a:p>
+                      <a:endParaRPr lang="zh-CN" altLang="en-US"/>
+                    </a:p>
+                  </a:txBody>
+                  <a:tcPr/>
+                </a:tc>
+                <a:tc>
+                  <a:txBody>
+                    <a:bodyPr/>
+                    <a:lstStyle/>
+                    <a:p>
+                      <a:endParaRPr lang="zh-CN" altLang="en-US"/>
+                    </a:p>
+                  </a:txBody>
+                  <a:tcPr/>
+                </a:tc>
+                <a:extLst>
+                  <a:ext uri="{0D108BD9-81ED-4DB2-BD59-A6C34878D82A}">
+                    <a16:rowId xmlns:a16="http://schemas.microsoft.com/office/drawing/2014/main" val="2916981029"/>
+                  </a:ext>
+                </a:extLst>
+              </a:tr>
+              <a:tr h="370840">
+                <a:tc>
+                  <a:txBody>
+                    <a:bodyPr/>
+                    <a:lstStyle/>
+                    <a:p>
+                      <a:endParaRPr lang="zh-CN" altLang="en-US"/>
+                    </a:p>
+                  </a:txBody>
+                  <a:tcPr/>
+                </a:tc>
+                <a:tc>
+                  <a:txBody>
+                    <a:bodyPr/>
+                    <a:lstStyle/>
+                    <a:p>
+                      <a:endParaRPr lang="zh-CN" altLang="en-US"/>
+                    </a:p>
+                  </a:txBody>
+                  <a:tcPr/>
+                </a:tc>
+                <a:tc>
+                  <a:txBody>
+                    <a:bodyPr/>
+                    <a:lstStyle/>
+                    <a:p>
+                      <a:endParaRPr lang="zh-CN" altLang="en-US"/>
+                    </a:p>
+                  </a:txBody>
+                  <a:tcPr/>
+                </a:tc>
+                <a:tc>
+                  <a:txBody>
+                    <a:bodyPr/>
+                    <a:lstStyle/>
+                    <a:p>
+                      <a:endParaRPr lang="zh-CN" altLang="en-US"/>
+                    </a:p>
+                  </a:txBody>
+                  <a:tcPr/>
+                </a:tc>
+                <a:tc>
+                  <a:txBody>
+                    <a:bodyPr/>
+                    <a:lstStyle/>
+                    <a:p>
+                      <a:endParaRPr lang="zh-CN" altLang="en-US" dirty="0"/>
+                    </a:p>
+                  </a:txBody>
+                  <a:tcPr/>
+                </a:tc>
+                <a:extLst>
+                  <a:ext uri="{0D108BD9-81ED-4DB2-BD59-A6C34878D82A}">
+                    <a16:rowId xmlns:a16="http://schemas.microsoft.com/office/drawing/2014/main" val="524275972"/>
+                  </a:ext>
+                </a:extLst>
+              </a:tr>
+            </a:tbl>
+          </a:graphicData>
+        </a:graphic>
+      </p:graphicFrame>
+    </p:spTree>
+    <p:extLst>
+      <p:ext uri="{BB962C8B-B14F-4D97-AF65-F5344CB8AC3E}">
+        <p14:creationId xmlns:p14="http://schemas.microsoft.com/office/powerpoint/2010/main" val="2676041932"/>
+      </p:ext>
+    </p:extLst>
+  </p:cSld>
+  <p:clrMapOvr>
+    <a:masterClrMapping/>
+  </p:clrMapOvr>
+</p:sld>
+</file>
+
+<file path=ppt/slides/slide5.xml><?xml version="1.0" encoding="utf-8"?>
+<p:sld xmlns:a="http://schemas.openxmlformats.org/drawingml/2006/main" xmlns:r="http://schemas.openxmlformats.org/officeDocument/2006/relationships" xmlns:p="http://schemas.openxmlformats.org/presentationml/2006/main">
+  <p:cSld>
+    <p:spTree>
+      <p:nvGrpSpPr>
+        <p:cNvPr id="1" name=""/>
+        <p:cNvGrpSpPr/>
+        <p:nvPr/>
+      </p:nvGrpSpPr>
+      <p:grpSpPr>
+        <a:xfrm>
+          <a:off x="0" y="0"/>
+          <a:ext cx="0" cy="0"/>
+          <a:chOff x="0" y="0"/>
+          <a:chExt cx="0" cy="0"/>
+        </a:xfrm>
+      </p:grpSpPr>
+      <p:sp>
+        <p:nvSpPr>
+          <p:cNvPr id="2" name="标题 1">
+            <a:extLst>
+              <a:ext uri="{FF2B5EF4-FFF2-40B4-BE49-F238E27FC236}">
+                <a16:creationId xmlns:a16="http://schemas.microsoft.com/office/drawing/2014/main" id="{624E6786-F1F4-CDE6-1E1F-7A77F31C2931}"/>
+              </a:ext>
+            </a:extLst>
+          </p:cNvPr>
+          <p:cNvSpPr>
+            <a:spLocks noGrp="1"/>
+          </p:cNvSpPr>
+          <p:nvPr>
+            <p:ph type="title"/>
+          </p:nvPr>
+        </p:nvSpPr>
+        <p:spPr/>
+        <p:txBody>
+          <a:bodyPr/>
+          <a:lstStyle/>
+          <a:p>
+            <a:endParaRPr kumimoji="1" lang="zh-CN" altLang="en-US"/>
+          </a:p>
+        </p:txBody>
+      </p:sp>
+      <p:pic>
+        <p:nvPicPr>
+          <p:cNvPr id="5" name="内容占位符 4" descr="图片素材 : 可爱, 哺乳动物, 动物群, 狸, 脊椎动物, 野生动物园, 浣熊, pro科 2048x1371 - - 681192 ...">
+            <a:extLst>
+              <a:ext uri="{FF2B5EF4-FFF2-40B4-BE49-F238E27FC236}">
+                <a16:creationId xmlns:a16="http://schemas.microsoft.com/office/drawing/2014/main" id="{1313BE33-67C5-FA93-5AF8-06654E74E85F}"/>
+              </a:ext>
+            </a:extLst>
+          </p:cNvPr>
+          <p:cNvPicPr>
+            <a:picLocks noGrp="1" noChangeAspect="1"/>
+          </p:cNvPicPr>
+          <p:nvPr>
+            <p:ph idx="1"/>
+          </p:nvPr>
+        </p:nvPicPr>
+        <p:blipFill>
+          <a:blip r:embed="rId2">
+            <a:extLst>
+              <a:ext uri="{837473B0-CC2E-450A-ABE3-18F120FF3D39}">
+                <a1611:picAttrSrcUrl xmlns:a1611="http://schemas.microsoft.com/office/drawing/2016/11/main" r:id="rId3"/>
+              </a:ext>
+            </a:extLst>
+          </a:blip>
+          <a:stretch>
+            <a:fillRect/>
+          </a:stretch>
+        </p:blipFill>
+        <p:spPr>
+          <a:xfrm>
+            <a:off x="3115632" y="1825625"/>
+            <a:ext cx="5960736" cy="4351338"/>
+          </a:xfrm>
+        </p:spPr>
+      </p:pic>
+    </p:spTree>
+    <p:extLst>
+      <p:ext uri="{BB962C8B-B14F-4D97-AF65-F5344CB8AC3E}">
+        <p14:creationId xmlns:p14="http://schemas.microsoft.com/office/powerpoint/2010/main" val="3507277083"/>
       </p:ext>
     </p:extLst>
   </p:cSld>
